--- a/All_Results.pptx
+++ b/All_Results.pptx
@@ -116,6 +116,11 @@
       </a:defRPr>
     </a:lvl9pPr>
   </p:defaultTextStyle>
+  <p:extLst>
+    <p:ext uri="{EFAFB233-063F-42B5-8137-9DF3F51BA10A}">
+      <p15:sldGuideLst xmlns:p15="http://schemas.microsoft.com/office/powerpoint/2012/main"/>
+    </p:ext>
+  </p:extLst>
 </p:presentation>
 </file>
 
@@ -266,7 +271,7 @@
           <a:p>
             <a:fld id="{3AB65DCB-53B3-4C5F-B8F0-D97C6F748A08}" type="datetimeFigureOut">
               <a:rPr lang="de-DE" smtClean="0"/>
-              <a:t>05.06.2019</a:t>
+              <a:t>06.06.2019</a:t>
             </a:fld>
             <a:endParaRPr lang="de-DE"/>
           </a:p>
@@ -464,7 +469,7 @@
           <a:p>
             <a:fld id="{3AB65DCB-53B3-4C5F-B8F0-D97C6F748A08}" type="datetimeFigureOut">
               <a:rPr lang="de-DE" smtClean="0"/>
-              <a:t>05.06.2019</a:t>
+              <a:t>06.06.2019</a:t>
             </a:fld>
             <a:endParaRPr lang="de-DE"/>
           </a:p>
@@ -672,7 +677,7 @@
           <a:p>
             <a:fld id="{3AB65DCB-53B3-4C5F-B8F0-D97C6F748A08}" type="datetimeFigureOut">
               <a:rPr lang="de-DE" smtClean="0"/>
-              <a:t>05.06.2019</a:t>
+              <a:t>06.06.2019</a:t>
             </a:fld>
             <a:endParaRPr lang="de-DE"/>
           </a:p>
@@ -870,7 +875,7 @@
           <a:p>
             <a:fld id="{3AB65DCB-53B3-4C5F-B8F0-D97C6F748A08}" type="datetimeFigureOut">
               <a:rPr lang="de-DE" smtClean="0"/>
-              <a:t>05.06.2019</a:t>
+              <a:t>06.06.2019</a:t>
             </a:fld>
             <a:endParaRPr lang="de-DE"/>
           </a:p>
@@ -1145,7 +1150,7 @@
           <a:p>
             <a:fld id="{3AB65DCB-53B3-4C5F-B8F0-D97C6F748A08}" type="datetimeFigureOut">
               <a:rPr lang="de-DE" smtClean="0"/>
-              <a:t>05.06.2019</a:t>
+              <a:t>06.06.2019</a:t>
             </a:fld>
             <a:endParaRPr lang="de-DE"/>
           </a:p>
@@ -1410,7 +1415,7 @@
           <a:p>
             <a:fld id="{3AB65DCB-53B3-4C5F-B8F0-D97C6F748A08}" type="datetimeFigureOut">
               <a:rPr lang="de-DE" smtClean="0"/>
-              <a:t>05.06.2019</a:t>
+              <a:t>06.06.2019</a:t>
             </a:fld>
             <a:endParaRPr lang="de-DE"/>
           </a:p>
@@ -1822,7 +1827,7 @@
           <a:p>
             <a:fld id="{3AB65DCB-53B3-4C5F-B8F0-D97C6F748A08}" type="datetimeFigureOut">
               <a:rPr lang="de-DE" smtClean="0"/>
-              <a:t>05.06.2019</a:t>
+              <a:t>06.06.2019</a:t>
             </a:fld>
             <a:endParaRPr lang="de-DE"/>
           </a:p>
@@ -1963,7 +1968,7 @@
           <a:p>
             <a:fld id="{3AB65DCB-53B3-4C5F-B8F0-D97C6F748A08}" type="datetimeFigureOut">
               <a:rPr lang="de-DE" smtClean="0"/>
-              <a:t>05.06.2019</a:t>
+              <a:t>06.06.2019</a:t>
             </a:fld>
             <a:endParaRPr lang="de-DE"/>
           </a:p>
@@ -2076,7 +2081,7 @@
           <a:p>
             <a:fld id="{3AB65DCB-53B3-4C5F-B8F0-D97C6F748A08}" type="datetimeFigureOut">
               <a:rPr lang="de-DE" smtClean="0"/>
-              <a:t>05.06.2019</a:t>
+              <a:t>06.06.2019</a:t>
             </a:fld>
             <a:endParaRPr lang="de-DE"/>
           </a:p>
@@ -2387,7 +2392,7 @@
           <a:p>
             <a:fld id="{3AB65DCB-53B3-4C5F-B8F0-D97C6F748A08}" type="datetimeFigureOut">
               <a:rPr lang="de-DE" smtClean="0"/>
-              <a:t>05.06.2019</a:t>
+              <a:t>06.06.2019</a:t>
             </a:fld>
             <a:endParaRPr lang="de-DE"/>
           </a:p>
@@ -2675,7 +2680,7 @@
           <a:p>
             <a:fld id="{3AB65DCB-53B3-4C5F-B8F0-D97C6F748A08}" type="datetimeFigureOut">
               <a:rPr lang="de-DE" smtClean="0"/>
-              <a:t>05.06.2019</a:t>
+              <a:t>06.06.2019</a:t>
             </a:fld>
             <a:endParaRPr lang="de-DE"/>
           </a:p>
@@ -2916,7 +2921,7 @@
           <a:p>
             <a:fld id="{3AB65DCB-53B3-4C5F-B8F0-D97C6F748A08}" type="datetimeFigureOut">
               <a:rPr lang="de-DE" smtClean="0"/>
-              <a:t>05.06.2019</a:t>
+              <a:t>06.06.2019</a:t>
             </a:fld>
             <a:endParaRPr lang="de-DE"/>
           </a:p>
@@ -4551,6 +4556,42 @@
           </a:p>
         </p:txBody>
       </p:sp>
+      <p:pic>
+        <p:nvPicPr>
+          <p:cNvPr id="4" name="Grafik 3">
+            <a:extLst>
+              <a:ext uri="{FF2B5EF4-FFF2-40B4-BE49-F238E27FC236}">
+                <a16:creationId xmlns:a16="http://schemas.microsoft.com/office/drawing/2014/main" id="{25E3F584-6D83-4C51-89C3-89E9436AD4B4}"/>
+              </a:ext>
+            </a:extLst>
+          </p:cNvPr>
+          <p:cNvPicPr>
+            <a:picLocks noChangeAspect="1"/>
+          </p:cNvPicPr>
+          <p:nvPr/>
+        </p:nvPicPr>
+        <p:blipFill>
+          <a:blip r:embed="rId2">
+            <a:extLst>
+              <a:ext uri="{28A0092B-C50C-407E-A947-70E740481C1C}">
+                <a14:useLocalDpi xmlns:a14="http://schemas.microsoft.com/office/drawing/2010/main" val="0"/>
+              </a:ext>
+            </a:extLst>
+          </a:blip>
+          <a:stretch>
+            <a:fillRect/>
+          </a:stretch>
+        </p:blipFill>
+        <p:spPr>
+          <a:xfrm>
+            <a:off x="1900238" y="1297915"/>
+            <a:ext cx="7634380" cy="4731409"/>
+          </a:xfrm>
+          <a:prstGeom prst="rect">
+            <a:avLst/>
+          </a:prstGeom>
+        </p:spPr>
+      </p:pic>
     </p:spTree>
     <p:extLst>
       <p:ext uri="{BB962C8B-B14F-4D97-AF65-F5344CB8AC3E}">

--- a/All_Results.pptx
+++ b/All_Results.pptx
@@ -271,7 +271,7 @@
           <a:p>
             <a:fld id="{3AB65DCB-53B3-4C5F-B8F0-D97C6F748A08}" type="datetimeFigureOut">
               <a:rPr lang="de-DE" smtClean="0"/>
-              <a:t>06.06.2019</a:t>
+              <a:t>12.06.2019</a:t>
             </a:fld>
             <a:endParaRPr lang="de-DE"/>
           </a:p>
@@ -469,7 +469,7 @@
           <a:p>
             <a:fld id="{3AB65DCB-53B3-4C5F-B8F0-D97C6F748A08}" type="datetimeFigureOut">
               <a:rPr lang="de-DE" smtClean="0"/>
-              <a:t>06.06.2019</a:t>
+              <a:t>12.06.2019</a:t>
             </a:fld>
             <a:endParaRPr lang="de-DE"/>
           </a:p>
@@ -677,7 +677,7 @@
           <a:p>
             <a:fld id="{3AB65DCB-53B3-4C5F-B8F0-D97C6F748A08}" type="datetimeFigureOut">
               <a:rPr lang="de-DE" smtClean="0"/>
-              <a:t>06.06.2019</a:t>
+              <a:t>12.06.2019</a:t>
             </a:fld>
             <a:endParaRPr lang="de-DE"/>
           </a:p>
@@ -875,7 +875,7 @@
           <a:p>
             <a:fld id="{3AB65DCB-53B3-4C5F-B8F0-D97C6F748A08}" type="datetimeFigureOut">
               <a:rPr lang="de-DE" smtClean="0"/>
-              <a:t>06.06.2019</a:t>
+              <a:t>12.06.2019</a:t>
             </a:fld>
             <a:endParaRPr lang="de-DE"/>
           </a:p>
@@ -1150,7 +1150,7 @@
           <a:p>
             <a:fld id="{3AB65DCB-53B3-4C5F-B8F0-D97C6F748A08}" type="datetimeFigureOut">
               <a:rPr lang="de-DE" smtClean="0"/>
-              <a:t>06.06.2019</a:t>
+              <a:t>12.06.2019</a:t>
             </a:fld>
             <a:endParaRPr lang="de-DE"/>
           </a:p>
@@ -1415,7 +1415,7 @@
           <a:p>
             <a:fld id="{3AB65DCB-53B3-4C5F-B8F0-D97C6F748A08}" type="datetimeFigureOut">
               <a:rPr lang="de-DE" smtClean="0"/>
-              <a:t>06.06.2019</a:t>
+              <a:t>12.06.2019</a:t>
             </a:fld>
             <a:endParaRPr lang="de-DE"/>
           </a:p>
@@ -1827,7 +1827,7 @@
           <a:p>
             <a:fld id="{3AB65DCB-53B3-4C5F-B8F0-D97C6F748A08}" type="datetimeFigureOut">
               <a:rPr lang="de-DE" smtClean="0"/>
-              <a:t>06.06.2019</a:t>
+              <a:t>12.06.2019</a:t>
             </a:fld>
             <a:endParaRPr lang="de-DE"/>
           </a:p>
@@ -1968,7 +1968,7 @@
           <a:p>
             <a:fld id="{3AB65DCB-53B3-4C5F-B8F0-D97C6F748A08}" type="datetimeFigureOut">
               <a:rPr lang="de-DE" smtClean="0"/>
-              <a:t>06.06.2019</a:t>
+              <a:t>12.06.2019</a:t>
             </a:fld>
             <a:endParaRPr lang="de-DE"/>
           </a:p>
@@ -2081,7 +2081,7 @@
           <a:p>
             <a:fld id="{3AB65DCB-53B3-4C5F-B8F0-D97C6F748A08}" type="datetimeFigureOut">
               <a:rPr lang="de-DE" smtClean="0"/>
-              <a:t>06.06.2019</a:t>
+              <a:t>12.06.2019</a:t>
             </a:fld>
             <a:endParaRPr lang="de-DE"/>
           </a:p>
@@ -2392,7 +2392,7 @@
           <a:p>
             <a:fld id="{3AB65DCB-53B3-4C5F-B8F0-D97C6F748A08}" type="datetimeFigureOut">
               <a:rPr lang="de-DE" smtClean="0"/>
-              <a:t>06.06.2019</a:t>
+              <a:t>12.06.2019</a:t>
             </a:fld>
             <a:endParaRPr lang="de-DE"/>
           </a:p>
@@ -2680,7 +2680,7 @@
           <a:p>
             <a:fld id="{3AB65DCB-53B3-4C5F-B8F0-D97C6F748A08}" type="datetimeFigureOut">
               <a:rPr lang="de-DE" smtClean="0"/>
-              <a:t>06.06.2019</a:t>
+              <a:t>12.06.2019</a:t>
             </a:fld>
             <a:endParaRPr lang="de-DE"/>
           </a:p>
@@ -2921,7 +2921,7 @@
           <a:p>
             <a:fld id="{3AB65DCB-53B3-4C5F-B8F0-D97C6F748A08}" type="datetimeFigureOut">
               <a:rPr lang="de-DE" smtClean="0"/>
-              <a:t>06.06.2019</a:t>
+              <a:t>12.06.2019</a:t>
             </a:fld>
             <a:endParaRPr lang="de-DE"/>
           </a:p>
@@ -3661,7 +3661,7 @@
         </p:blipFill>
         <p:spPr>
           <a:xfrm>
-            <a:off x="665824" y="3231472"/>
+            <a:off x="3771704" y="3564968"/>
             <a:ext cx="6211761" cy="3479520"/>
           </a:xfrm>
           <a:prstGeom prst="rect">
@@ -3900,6 +3900,107 @@
           </a:p>
         </p:txBody>
       </p:sp>
+      <p:pic>
+        <p:nvPicPr>
+          <p:cNvPr id="11" name="Grafik 10">
+            <a:extLst>
+              <a:ext uri="{FF2B5EF4-FFF2-40B4-BE49-F238E27FC236}">
+                <a16:creationId xmlns:a16="http://schemas.microsoft.com/office/drawing/2014/main" id="{F9174825-F015-44D4-9D45-AFBB187D2F07}"/>
+              </a:ext>
+            </a:extLst>
+          </p:cNvPr>
+          <p:cNvPicPr>
+            <a:picLocks noChangeAspect="1"/>
+          </p:cNvPicPr>
+          <p:nvPr/>
+        </p:nvPicPr>
+        <p:blipFill>
+          <a:blip r:embed="rId3"/>
+          <a:stretch>
+            <a:fillRect/>
+          </a:stretch>
+        </p:blipFill>
+        <p:spPr>
+          <a:xfrm>
+            <a:off x="7797035" y="365125"/>
+            <a:ext cx="4372860" cy="3413972"/>
+          </a:xfrm>
+          <a:prstGeom prst="rect">
+            <a:avLst/>
+          </a:prstGeom>
+        </p:spPr>
+      </p:pic>
+      <p:sp>
+        <p:nvSpPr>
+          <p:cNvPr id="12" name="Textfeld 11">
+            <a:extLst>
+              <a:ext uri="{FF2B5EF4-FFF2-40B4-BE49-F238E27FC236}">
+                <a16:creationId xmlns:a16="http://schemas.microsoft.com/office/drawing/2014/main" id="{0C86FDD5-6A1F-4D90-A7C2-E09B0D4197CC}"/>
+              </a:ext>
+            </a:extLst>
+          </p:cNvPr>
+          <p:cNvSpPr txBox="1"/>
+          <p:nvPr/>
+        </p:nvSpPr>
+        <p:spPr>
+          <a:xfrm>
+            <a:off x="6391548" y="2912576"/>
+            <a:ext cx="1651247" cy="369332"/>
+          </a:xfrm>
+          <a:prstGeom prst="rect">
+            <a:avLst/>
+          </a:prstGeom>
+          <a:noFill/>
+        </p:spPr>
+        <p:txBody>
+          <a:bodyPr wrap="square" rtlCol="0">
+            <a:spAutoFit/>
+          </a:bodyPr>
+          <a:lstStyle/>
+          <a:p>
+            <a:r>
+              <a:rPr lang="de-DE" dirty="0" err="1"/>
+              <a:t>Normalization</a:t>
+            </a:r>
+            <a:endParaRPr lang="de-DE" dirty="0"/>
+          </a:p>
+        </p:txBody>
+      </p:sp>
+      <p:pic>
+        <p:nvPicPr>
+          <p:cNvPr id="3" name="Grafik 2" descr="Ein Bild, das Screenshot enthält.&#10;&#10;Automatisch generierte Beschreibung">
+            <a:extLst>
+              <a:ext uri="{FF2B5EF4-FFF2-40B4-BE49-F238E27FC236}">
+                <a16:creationId xmlns:a16="http://schemas.microsoft.com/office/drawing/2014/main" id="{C3560E4F-4D2C-4AE0-9B95-DDADAC6BA9CA}"/>
+              </a:ext>
+            </a:extLst>
+          </p:cNvPr>
+          <p:cNvPicPr>
+            <a:picLocks noChangeAspect="1"/>
+          </p:cNvPicPr>
+          <p:nvPr/>
+        </p:nvPicPr>
+        <p:blipFill rotWithShape="1">
+          <a:blip r:embed="rId4">
+            <a:extLst>
+              <a:ext uri="{28A0092B-C50C-407E-A947-70E740481C1C}">
+                <a14:useLocalDpi xmlns:a14="http://schemas.microsoft.com/office/drawing/2010/main" val="0"/>
+              </a:ext>
+            </a:extLst>
+          </a:blip>
+          <a:srcRect r="19814" b="11122"/>
+          <a:stretch/>
+        </p:blipFill>
+        <p:spPr>
+          <a:xfrm>
+            <a:off x="82289" y="2747412"/>
+            <a:ext cx="3582326" cy="2460786"/>
+          </a:xfrm>
+          <a:prstGeom prst="rect">
+            <a:avLst/>
+          </a:prstGeom>
+        </p:spPr>
+      </p:pic>
       <p:sp>
         <p:nvSpPr>
           <p:cNvPr id="10" name="Pfeil: nach rechts 9">
@@ -3913,9 +4014,9 @@
           <p:nvPr/>
         </p:nvSpPr>
         <p:spPr>
-          <a:xfrm rot="20354123">
-            <a:off x="6633179" y="3281464"/>
-            <a:ext cx="834501" cy="669100"/>
+          <a:xfrm rot="19499271">
+            <a:off x="7462028" y="3241328"/>
+            <a:ext cx="670014" cy="531838"/>
           </a:xfrm>
           <a:prstGeom prst="rightArrow">
             <a:avLst/>
@@ -3956,10 +4057,10 @@
       </p:sp>
       <p:pic>
         <p:nvPicPr>
-          <p:cNvPr id="11" name="Grafik 10">
-            <a:extLst>
-              <a:ext uri="{FF2B5EF4-FFF2-40B4-BE49-F238E27FC236}">
-                <a16:creationId xmlns:a16="http://schemas.microsoft.com/office/drawing/2014/main" id="{F9174825-F015-44D4-9D45-AFBB187D2F07}"/>
+          <p:cNvPr id="8" name="Grafik 7">
+            <a:extLst>
+              <a:ext uri="{FF2B5EF4-FFF2-40B4-BE49-F238E27FC236}">
+                <a16:creationId xmlns:a16="http://schemas.microsoft.com/office/drawing/2014/main" id="{224E4810-B775-4D28-BCD0-80D9B1A73188}"/>
               </a:ext>
             </a:extLst>
           </p:cNvPr>
@@ -3969,15 +4070,15 @@
           <p:nvPr/>
         </p:nvPicPr>
         <p:blipFill>
-          <a:blip r:embed="rId3"/>
+          <a:blip r:embed="rId5"/>
           <a:stretch>
             <a:fillRect/>
           </a:stretch>
         </p:blipFill>
         <p:spPr>
-          <a:xfrm>
-            <a:off x="7506848" y="1690688"/>
-            <a:ext cx="4372860" cy="3413972"/>
+          <a:xfrm rot="3691248">
+            <a:off x="3809941" y="3423953"/>
+            <a:ext cx="646232" cy="585267"/>
           </a:xfrm>
           <a:prstGeom prst="rect">
             <a:avLst/>
@@ -3986,10 +4087,10 @@
       </p:pic>
       <p:sp>
         <p:nvSpPr>
-          <p:cNvPr id="12" name="Textfeld 11">
-            <a:extLst>
-              <a:ext uri="{FF2B5EF4-FFF2-40B4-BE49-F238E27FC236}">
-                <a16:creationId xmlns:a16="http://schemas.microsoft.com/office/drawing/2014/main" id="{0C86FDD5-6A1F-4D90-A7C2-E09B0D4197CC}"/>
+          <p:cNvPr id="13" name="Textfeld 12">
+            <a:extLst>
+              <a:ext uri="{FF2B5EF4-FFF2-40B4-BE49-F238E27FC236}">
+                <a16:creationId xmlns:a16="http://schemas.microsoft.com/office/drawing/2014/main" id="{72058455-B54F-464D-B938-E9B8CB4F2F91}"/>
               </a:ext>
             </a:extLst>
           </p:cNvPr>
@@ -3998,8 +4099,8 @@
         </p:nvSpPr>
         <p:spPr>
           <a:xfrm>
-            <a:off x="6051961" y="2932499"/>
-            <a:ext cx="1651247" cy="369332"/>
+            <a:off x="3810773" y="2683482"/>
+            <a:ext cx="1878031" cy="646331"/>
           </a:xfrm>
           <a:prstGeom prst="rect">
             <a:avLst/>
@@ -4014,7 +4115,31 @@
           <a:p>
             <a:r>
               <a:rPr lang="de-DE" dirty="0" err="1"/>
-              <a:t>Normalization</a:t>
+              <a:t>Coloring</a:t>
+            </a:r>
+            <a:r>
+              <a:rPr lang="de-DE" dirty="0"/>
+              <a:t> </a:t>
+            </a:r>
+            <a:r>
+              <a:rPr lang="de-DE" dirty="0" err="1"/>
+              <a:t>according</a:t>
+            </a:r>
+            <a:r>
+              <a:rPr lang="de-DE" dirty="0"/>
+              <a:t> </a:t>
+            </a:r>
+            <a:r>
+              <a:rPr lang="de-DE" dirty="0" err="1"/>
+              <a:t>to</a:t>
+            </a:r>
+            <a:r>
+              <a:rPr lang="de-DE" dirty="0"/>
+              <a:t> </a:t>
+            </a:r>
+            <a:r>
+              <a:rPr lang="de-DE" dirty="0" err="1"/>
+              <a:t>drug</a:t>
             </a:r>
             <a:endParaRPr lang="de-DE" dirty="0"/>
           </a:p>

--- a/All_Results.pptx
+++ b/All_Results.pptx
@@ -271,7 +271,7 @@
           <a:p>
             <a:fld id="{3AB65DCB-53B3-4C5F-B8F0-D97C6F748A08}" type="datetimeFigureOut">
               <a:rPr lang="de-DE" smtClean="0"/>
-              <a:t>12.06.2019</a:t>
+              <a:t>15.06.2019</a:t>
             </a:fld>
             <a:endParaRPr lang="de-DE"/>
           </a:p>
@@ -469,7 +469,7 @@
           <a:p>
             <a:fld id="{3AB65DCB-53B3-4C5F-B8F0-D97C6F748A08}" type="datetimeFigureOut">
               <a:rPr lang="de-DE" smtClean="0"/>
-              <a:t>12.06.2019</a:t>
+              <a:t>15.06.2019</a:t>
             </a:fld>
             <a:endParaRPr lang="de-DE"/>
           </a:p>
@@ -677,7 +677,7 @@
           <a:p>
             <a:fld id="{3AB65DCB-53B3-4C5F-B8F0-D97C6F748A08}" type="datetimeFigureOut">
               <a:rPr lang="de-DE" smtClean="0"/>
-              <a:t>12.06.2019</a:t>
+              <a:t>15.06.2019</a:t>
             </a:fld>
             <a:endParaRPr lang="de-DE"/>
           </a:p>
@@ -875,7 +875,7 @@
           <a:p>
             <a:fld id="{3AB65DCB-53B3-4C5F-B8F0-D97C6F748A08}" type="datetimeFigureOut">
               <a:rPr lang="de-DE" smtClean="0"/>
-              <a:t>12.06.2019</a:t>
+              <a:t>15.06.2019</a:t>
             </a:fld>
             <a:endParaRPr lang="de-DE"/>
           </a:p>
@@ -1150,7 +1150,7 @@
           <a:p>
             <a:fld id="{3AB65DCB-53B3-4C5F-B8F0-D97C6F748A08}" type="datetimeFigureOut">
               <a:rPr lang="de-DE" smtClean="0"/>
-              <a:t>12.06.2019</a:t>
+              <a:t>15.06.2019</a:t>
             </a:fld>
             <a:endParaRPr lang="de-DE"/>
           </a:p>
@@ -1415,7 +1415,7 @@
           <a:p>
             <a:fld id="{3AB65DCB-53B3-4C5F-B8F0-D97C6F748A08}" type="datetimeFigureOut">
               <a:rPr lang="de-DE" smtClean="0"/>
-              <a:t>12.06.2019</a:t>
+              <a:t>15.06.2019</a:t>
             </a:fld>
             <a:endParaRPr lang="de-DE"/>
           </a:p>
@@ -1827,7 +1827,7 @@
           <a:p>
             <a:fld id="{3AB65DCB-53B3-4C5F-B8F0-D97C6F748A08}" type="datetimeFigureOut">
               <a:rPr lang="de-DE" smtClean="0"/>
-              <a:t>12.06.2019</a:t>
+              <a:t>15.06.2019</a:t>
             </a:fld>
             <a:endParaRPr lang="de-DE"/>
           </a:p>
@@ -1968,7 +1968,7 @@
           <a:p>
             <a:fld id="{3AB65DCB-53B3-4C5F-B8F0-D97C6F748A08}" type="datetimeFigureOut">
               <a:rPr lang="de-DE" smtClean="0"/>
-              <a:t>12.06.2019</a:t>
+              <a:t>15.06.2019</a:t>
             </a:fld>
             <a:endParaRPr lang="de-DE"/>
           </a:p>
@@ -2081,7 +2081,7 @@
           <a:p>
             <a:fld id="{3AB65DCB-53B3-4C5F-B8F0-D97C6F748A08}" type="datetimeFigureOut">
               <a:rPr lang="de-DE" smtClean="0"/>
-              <a:t>12.06.2019</a:t>
+              <a:t>15.06.2019</a:t>
             </a:fld>
             <a:endParaRPr lang="de-DE"/>
           </a:p>
@@ -2392,7 +2392,7 @@
           <a:p>
             <a:fld id="{3AB65DCB-53B3-4C5F-B8F0-D97C6F748A08}" type="datetimeFigureOut">
               <a:rPr lang="de-DE" smtClean="0"/>
-              <a:t>12.06.2019</a:t>
+              <a:t>15.06.2019</a:t>
             </a:fld>
             <a:endParaRPr lang="de-DE"/>
           </a:p>
@@ -2680,7 +2680,7 @@
           <a:p>
             <a:fld id="{3AB65DCB-53B3-4C5F-B8F0-D97C6F748A08}" type="datetimeFigureOut">
               <a:rPr lang="de-DE" smtClean="0"/>
-              <a:t>12.06.2019</a:t>
+              <a:t>15.06.2019</a:t>
             </a:fld>
             <a:endParaRPr lang="de-DE"/>
           </a:p>
@@ -2921,7 +2921,7 @@
           <a:p>
             <a:fld id="{3AB65DCB-53B3-4C5F-B8F0-D97C6F748A08}" type="datetimeFigureOut">
               <a:rPr lang="de-DE" smtClean="0"/>
-              <a:t>12.06.2019</a:t>
+              <a:t>15.06.2019</a:t>
             </a:fld>
             <a:endParaRPr lang="de-DE"/>
           </a:p>
@@ -3633,12 +3633,108 @@
           </a:p>
         </p:txBody>
       </p:sp>
+      <p:sp>
+        <p:nvSpPr>
+          <p:cNvPr id="12" name="Textfeld 11">
+            <a:extLst>
+              <a:ext uri="{FF2B5EF4-FFF2-40B4-BE49-F238E27FC236}">
+                <a16:creationId xmlns:a16="http://schemas.microsoft.com/office/drawing/2014/main" id="{0C86FDD5-6A1F-4D90-A7C2-E09B0D4197CC}"/>
+              </a:ext>
+            </a:extLst>
+          </p:cNvPr>
+          <p:cNvSpPr txBox="1"/>
+          <p:nvPr/>
+        </p:nvSpPr>
+        <p:spPr>
+          <a:xfrm>
+            <a:off x="8577244" y="3732346"/>
+            <a:ext cx="1651247" cy="369332"/>
+          </a:xfrm>
+          <a:prstGeom prst="rect">
+            <a:avLst/>
+          </a:prstGeom>
+          <a:noFill/>
+        </p:spPr>
+        <p:txBody>
+          <a:bodyPr wrap="square" rtlCol="0">
+            <a:spAutoFit/>
+          </a:bodyPr>
+          <a:lstStyle/>
+          <a:p>
+            <a:r>
+              <a:rPr lang="de-DE" dirty="0" err="1"/>
+              <a:t>Normalization</a:t>
+            </a:r>
+            <a:endParaRPr lang="de-DE" dirty="0"/>
+          </a:p>
+        </p:txBody>
+      </p:sp>
+      <p:sp>
+        <p:nvSpPr>
+          <p:cNvPr id="13" name="Textfeld 12">
+            <a:extLst>
+              <a:ext uri="{FF2B5EF4-FFF2-40B4-BE49-F238E27FC236}">
+                <a16:creationId xmlns:a16="http://schemas.microsoft.com/office/drawing/2014/main" id="{72058455-B54F-464D-B938-E9B8CB4F2F91}"/>
+              </a:ext>
+            </a:extLst>
+          </p:cNvPr>
+          <p:cNvSpPr txBox="1"/>
+          <p:nvPr/>
+        </p:nvSpPr>
+        <p:spPr>
+          <a:xfrm>
+            <a:off x="4483344" y="4228116"/>
+            <a:ext cx="1979599" cy="646331"/>
+          </a:xfrm>
+          <a:prstGeom prst="rect">
+            <a:avLst/>
+          </a:prstGeom>
+          <a:noFill/>
+        </p:spPr>
+        <p:txBody>
+          <a:bodyPr wrap="square" rtlCol="0">
+            <a:spAutoFit/>
+          </a:bodyPr>
+          <a:lstStyle/>
+          <a:p>
+            <a:r>
+              <a:rPr lang="de-DE" dirty="0" err="1"/>
+              <a:t>Coloring</a:t>
+            </a:r>
+            <a:r>
+              <a:rPr lang="de-DE" dirty="0"/>
+              <a:t> </a:t>
+            </a:r>
+            <a:r>
+              <a:rPr lang="de-DE" dirty="0" err="1"/>
+              <a:t>according</a:t>
+            </a:r>
+            <a:r>
+              <a:rPr lang="de-DE" dirty="0"/>
+              <a:t> </a:t>
+            </a:r>
+            <a:r>
+              <a:rPr lang="de-DE" dirty="0" err="1"/>
+              <a:t>to</a:t>
+            </a:r>
+            <a:r>
+              <a:rPr lang="de-DE" dirty="0"/>
+              <a:t> </a:t>
+            </a:r>
+            <a:r>
+              <a:rPr lang="de-DE" dirty="0" err="1"/>
+              <a:t>drug</a:t>
+            </a:r>
+            <a:endParaRPr lang="de-DE" dirty="0"/>
+          </a:p>
+        </p:txBody>
+      </p:sp>
       <p:pic>
         <p:nvPicPr>
-          <p:cNvPr id="6" name="Grafik 5">
-            <a:extLst>
-              <a:ext uri="{FF2B5EF4-FFF2-40B4-BE49-F238E27FC236}">
-                <a16:creationId xmlns:a16="http://schemas.microsoft.com/office/drawing/2014/main" id="{000661E7-7B22-4D49-B240-84F62D39006D}"/>
+          <p:cNvPr id="2" name="Grafik 1">
+            <a:extLst>
+              <a:ext uri="{FF2B5EF4-FFF2-40B4-BE49-F238E27FC236}">
+                <a16:creationId xmlns:a16="http://schemas.microsoft.com/office/drawing/2014/main" id="{23A78F6B-1BC1-493B-95C5-2A092ACF0F56}"/>
               </a:ext>
             </a:extLst>
           </p:cNvPr>
@@ -3648,264 +3744,27 @@
           <p:nvPr/>
         </p:nvPicPr>
         <p:blipFill>
-          <a:blip r:embed="rId2">
-            <a:extLst>
-              <a:ext uri="{28A0092B-C50C-407E-A947-70E740481C1C}">
-                <a14:useLocalDpi xmlns:a14="http://schemas.microsoft.com/office/drawing/2010/main" val="0"/>
-              </a:ext>
-            </a:extLst>
-          </a:blip>
+          <a:blip r:embed="rId2"/>
           <a:stretch>
             <a:fillRect/>
           </a:stretch>
         </p:blipFill>
         <p:spPr>
           <a:xfrm>
-            <a:off x="3771704" y="3564968"/>
-            <a:ext cx="6211761" cy="3479520"/>
+            <a:off x="269684" y="4256298"/>
+            <a:ext cx="4208973" cy="2592000"/>
           </a:xfrm>
           <a:prstGeom prst="rect">
             <a:avLst/>
           </a:prstGeom>
         </p:spPr>
       </p:pic>
-      <p:sp>
-        <p:nvSpPr>
-          <p:cNvPr id="7" name="Inhaltsplatzhalter 2">
-            <a:extLst>
-              <a:ext uri="{FF2B5EF4-FFF2-40B4-BE49-F238E27FC236}">
-                <a16:creationId xmlns:a16="http://schemas.microsoft.com/office/drawing/2014/main" id="{12B239FC-1171-44B0-9CA6-A7A2FCDEB515}"/>
-              </a:ext>
-            </a:extLst>
-          </p:cNvPr>
-          <p:cNvSpPr txBox="1">
-            <a:spLocks/>
-          </p:cNvSpPr>
-          <p:nvPr/>
-        </p:nvSpPr>
-        <p:spPr>
-          <a:xfrm>
-            <a:off x="665824" y="6042513"/>
-            <a:ext cx="1239838" cy="511628"/>
-          </a:xfrm>
-          <a:prstGeom prst="rect">
-            <a:avLst/>
-          </a:prstGeom>
-          <a:solidFill>
-            <a:srgbClr val="E00F0A"/>
-          </a:solidFill>
-        </p:spPr>
-        <p:txBody>
-          <a:bodyPr vert="horz" lIns="91440" tIns="45720" rIns="91440" bIns="45720" rtlCol="0">
-            <a:normAutofit/>
-          </a:bodyPr>
-          <a:lstStyle>
-            <a:lvl1pPr marL="228600" indent="-228600" algn="l" defTabSz="914400" rtl="0" eaLnBrk="1" latinLnBrk="0" hangingPunct="1">
-              <a:lnSpc>
-                <a:spcPct val="90000"/>
-              </a:lnSpc>
-              <a:spcBef>
-                <a:spcPts val="1000"/>
-              </a:spcBef>
-              <a:buFont typeface="Arial" panose="020B0604020202020204" pitchFamily="34" charset="0"/>
-              <a:buChar char="•"/>
-              <a:defRPr sz="2800" kern="1200">
-                <a:solidFill>
-                  <a:schemeClr val="tx1"/>
-                </a:solidFill>
-                <a:latin typeface="+mn-lt"/>
-                <a:ea typeface="+mn-ea"/>
-                <a:cs typeface="+mn-cs"/>
-              </a:defRPr>
-            </a:lvl1pPr>
-            <a:lvl2pPr marL="685800" indent="-228600" algn="l" defTabSz="914400" rtl="0" eaLnBrk="1" latinLnBrk="0" hangingPunct="1">
-              <a:lnSpc>
-                <a:spcPct val="90000"/>
-              </a:lnSpc>
-              <a:spcBef>
-                <a:spcPts val="500"/>
-              </a:spcBef>
-              <a:buFont typeface="Arial" panose="020B0604020202020204" pitchFamily="34" charset="0"/>
-              <a:buChar char="•"/>
-              <a:defRPr sz="2400" kern="1200">
-                <a:solidFill>
-                  <a:schemeClr val="tx1"/>
-                </a:solidFill>
-                <a:latin typeface="+mn-lt"/>
-                <a:ea typeface="+mn-ea"/>
-                <a:cs typeface="+mn-cs"/>
-              </a:defRPr>
-            </a:lvl2pPr>
-            <a:lvl3pPr marL="1143000" indent="-228600" algn="l" defTabSz="914400" rtl="0" eaLnBrk="1" latinLnBrk="0" hangingPunct="1">
-              <a:lnSpc>
-                <a:spcPct val="90000"/>
-              </a:lnSpc>
-              <a:spcBef>
-                <a:spcPts val="500"/>
-              </a:spcBef>
-              <a:buFont typeface="Arial" panose="020B0604020202020204" pitchFamily="34" charset="0"/>
-              <a:buChar char="•"/>
-              <a:defRPr sz="2000" kern="1200">
-                <a:solidFill>
-                  <a:schemeClr val="tx1"/>
-                </a:solidFill>
-                <a:latin typeface="+mn-lt"/>
-                <a:ea typeface="+mn-ea"/>
-                <a:cs typeface="+mn-cs"/>
-              </a:defRPr>
-            </a:lvl3pPr>
-            <a:lvl4pPr marL="1600200" indent="-228600" algn="l" defTabSz="914400" rtl="0" eaLnBrk="1" latinLnBrk="0" hangingPunct="1">
-              <a:lnSpc>
-                <a:spcPct val="90000"/>
-              </a:lnSpc>
-              <a:spcBef>
-                <a:spcPts val="500"/>
-              </a:spcBef>
-              <a:buFont typeface="Arial" panose="020B0604020202020204" pitchFamily="34" charset="0"/>
-              <a:buChar char="•"/>
-              <a:defRPr sz="1800" kern="1200">
-                <a:solidFill>
-                  <a:schemeClr val="tx1"/>
-                </a:solidFill>
-                <a:latin typeface="+mn-lt"/>
-                <a:ea typeface="+mn-ea"/>
-                <a:cs typeface="+mn-cs"/>
-              </a:defRPr>
-            </a:lvl4pPr>
-            <a:lvl5pPr marL="2057400" indent="-228600" algn="l" defTabSz="914400" rtl="0" eaLnBrk="1" latinLnBrk="0" hangingPunct="1">
-              <a:lnSpc>
-                <a:spcPct val="90000"/>
-              </a:lnSpc>
-              <a:spcBef>
-                <a:spcPts val="500"/>
-              </a:spcBef>
-              <a:buFont typeface="Arial" panose="020B0604020202020204" pitchFamily="34" charset="0"/>
-              <a:buChar char="•"/>
-              <a:defRPr sz="1800" kern="1200">
-                <a:solidFill>
-                  <a:schemeClr val="tx1"/>
-                </a:solidFill>
-                <a:latin typeface="+mn-lt"/>
-                <a:ea typeface="+mn-ea"/>
-                <a:cs typeface="+mn-cs"/>
-              </a:defRPr>
-            </a:lvl5pPr>
-            <a:lvl6pPr marL="2514600" indent="-228600" algn="l" defTabSz="914400" rtl="0" eaLnBrk="1" latinLnBrk="0" hangingPunct="1">
-              <a:lnSpc>
-                <a:spcPct val="90000"/>
-              </a:lnSpc>
-              <a:spcBef>
-                <a:spcPts val="500"/>
-              </a:spcBef>
-              <a:buFont typeface="Arial" panose="020B0604020202020204" pitchFamily="34" charset="0"/>
-              <a:buChar char="•"/>
-              <a:defRPr sz="1800" kern="1200">
-                <a:solidFill>
-                  <a:schemeClr val="tx1"/>
-                </a:solidFill>
-                <a:latin typeface="+mn-lt"/>
-                <a:ea typeface="+mn-ea"/>
-                <a:cs typeface="+mn-cs"/>
-              </a:defRPr>
-            </a:lvl6pPr>
-            <a:lvl7pPr marL="2971800" indent="-228600" algn="l" defTabSz="914400" rtl="0" eaLnBrk="1" latinLnBrk="0" hangingPunct="1">
-              <a:lnSpc>
-                <a:spcPct val="90000"/>
-              </a:lnSpc>
-              <a:spcBef>
-                <a:spcPts val="500"/>
-              </a:spcBef>
-              <a:buFont typeface="Arial" panose="020B0604020202020204" pitchFamily="34" charset="0"/>
-              <a:buChar char="•"/>
-              <a:defRPr sz="1800" kern="1200">
-                <a:solidFill>
-                  <a:schemeClr val="tx1"/>
-                </a:solidFill>
-                <a:latin typeface="+mn-lt"/>
-                <a:ea typeface="+mn-ea"/>
-                <a:cs typeface="+mn-cs"/>
-              </a:defRPr>
-            </a:lvl7pPr>
-            <a:lvl8pPr marL="3429000" indent="-228600" algn="l" defTabSz="914400" rtl="0" eaLnBrk="1" latinLnBrk="0" hangingPunct="1">
-              <a:lnSpc>
-                <a:spcPct val="90000"/>
-              </a:lnSpc>
-              <a:spcBef>
-                <a:spcPts val="500"/>
-              </a:spcBef>
-              <a:buFont typeface="Arial" panose="020B0604020202020204" pitchFamily="34" charset="0"/>
-              <a:buChar char="•"/>
-              <a:defRPr sz="1800" kern="1200">
-                <a:solidFill>
-                  <a:schemeClr val="tx1"/>
-                </a:solidFill>
-                <a:latin typeface="+mn-lt"/>
-                <a:ea typeface="+mn-ea"/>
-                <a:cs typeface="+mn-cs"/>
-              </a:defRPr>
-            </a:lvl8pPr>
-            <a:lvl9pPr marL="3886200" indent="-228600" algn="l" defTabSz="914400" rtl="0" eaLnBrk="1" latinLnBrk="0" hangingPunct="1">
-              <a:lnSpc>
-                <a:spcPct val="90000"/>
-              </a:lnSpc>
-              <a:spcBef>
-                <a:spcPts val="500"/>
-              </a:spcBef>
-              <a:buFont typeface="Arial" panose="020B0604020202020204" pitchFamily="34" charset="0"/>
-              <a:buChar char="•"/>
-              <a:defRPr sz="1800" kern="1200">
-                <a:solidFill>
-                  <a:schemeClr val="tx1"/>
-                </a:solidFill>
-                <a:latin typeface="+mn-lt"/>
-                <a:ea typeface="+mn-ea"/>
-                <a:cs typeface="+mn-cs"/>
-              </a:defRPr>
-            </a:lvl9pPr>
-          </a:lstStyle>
-          <a:p>
-            <a:pPr marL="0" indent="0" algn="ctr">
-              <a:lnSpc>
-                <a:spcPct val="120000"/>
-              </a:lnSpc>
-              <a:buFont typeface="Arial" panose="020B0604020202020204" pitchFamily="34" charset="0"/>
-              <a:buNone/>
-            </a:pPr>
-            <a:r>
-              <a:rPr lang="de-DE" sz="1800" dirty="0">
-                <a:solidFill>
-                  <a:schemeClr val="bg1"/>
-                </a:solidFill>
-              </a:rPr>
-              <a:t>Boxplot</a:t>
-            </a:r>
-            <a:endParaRPr lang="de-DE" dirty="0">
-              <a:solidFill>
-                <a:schemeClr val="bg1"/>
-              </a:solidFill>
-            </a:endParaRPr>
-          </a:p>
-          <a:p>
-            <a:pPr algn="ctr">
-              <a:lnSpc>
-                <a:spcPct val="120000"/>
-              </a:lnSpc>
-            </a:pPr>
-            <a:endParaRPr lang="de-DE" dirty="0">
-              <a:solidFill>
-                <a:schemeClr val="bg1"/>
-              </a:solidFill>
-              <a:sym typeface="Wingdings" panose="05000000000000000000" pitchFamily="2" charset="2"/>
-            </a:endParaRPr>
-          </a:p>
-        </p:txBody>
-      </p:sp>
       <p:pic>
         <p:nvPicPr>
-          <p:cNvPr id="11" name="Grafik 10">
-            <a:extLst>
-              <a:ext uri="{FF2B5EF4-FFF2-40B4-BE49-F238E27FC236}">
-                <a16:creationId xmlns:a16="http://schemas.microsoft.com/office/drawing/2014/main" id="{F9174825-F015-44D4-9D45-AFBB187D2F07}"/>
+          <p:cNvPr id="9" name="Grafik 8">
+            <a:extLst>
+              <a:ext uri="{FF2B5EF4-FFF2-40B4-BE49-F238E27FC236}">
+                <a16:creationId xmlns:a16="http://schemas.microsoft.com/office/drawing/2014/main" id="{E889C1F7-FF03-4EE6-A061-A1E0FAA103B9}"/>
               </a:ext>
             </a:extLst>
           </p:cNvPr>
@@ -3922,79 +3781,8 @@
         </p:blipFill>
         <p:spPr>
           <a:xfrm>
-            <a:off x="7797035" y="365125"/>
-            <a:ext cx="4372860" cy="3413972"/>
-          </a:xfrm>
-          <a:prstGeom prst="rect">
-            <a:avLst/>
-          </a:prstGeom>
-        </p:spPr>
-      </p:pic>
-      <p:sp>
-        <p:nvSpPr>
-          <p:cNvPr id="12" name="Textfeld 11">
-            <a:extLst>
-              <a:ext uri="{FF2B5EF4-FFF2-40B4-BE49-F238E27FC236}">
-                <a16:creationId xmlns:a16="http://schemas.microsoft.com/office/drawing/2014/main" id="{0C86FDD5-6A1F-4D90-A7C2-E09B0D4197CC}"/>
-              </a:ext>
-            </a:extLst>
-          </p:cNvPr>
-          <p:cNvSpPr txBox="1"/>
-          <p:nvPr/>
-        </p:nvSpPr>
-        <p:spPr>
-          <a:xfrm>
-            <a:off x="6391548" y="2912576"/>
-            <a:ext cx="1651247" cy="369332"/>
-          </a:xfrm>
-          <a:prstGeom prst="rect">
-            <a:avLst/>
-          </a:prstGeom>
-          <a:noFill/>
-        </p:spPr>
-        <p:txBody>
-          <a:bodyPr wrap="square" rtlCol="0">
-            <a:spAutoFit/>
-          </a:bodyPr>
-          <a:lstStyle/>
-          <a:p>
-            <a:r>
-              <a:rPr lang="de-DE" dirty="0" err="1"/>
-              <a:t>Normalization</a:t>
-            </a:r>
-            <a:endParaRPr lang="de-DE" dirty="0"/>
-          </a:p>
-        </p:txBody>
-      </p:sp>
-      <p:pic>
-        <p:nvPicPr>
-          <p:cNvPr id="3" name="Grafik 2" descr="Ein Bild, das Screenshot enthält.&#10;&#10;Automatisch generierte Beschreibung">
-            <a:extLst>
-              <a:ext uri="{FF2B5EF4-FFF2-40B4-BE49-F238E27FC236}">
-                <a16:creationId xmlns:a16="http://schemas.microsoft.com/office/drawing/2014/main" id="{C3560E4F-4D2C-4AE0-9B95-DDADAC6BA9CA}"/>
-              </a:ext>
-            </a:extLst>
-          </p:cNvPr>
-          <p:cNvPicPr>
-            <a:picLocks noChangeAspect="1"/>
-          </p:cNvPicPr>
-          <p:nvPr/>
-        </p:nvPicPr>
-        <p:blipFill rotWithShape="1">
-          <a:blip r:embed="rId4">
-            <a:extLst>
-              <a:ext uri="{28A0092B-C50C-407E-A947-70E740481C1C}">
-                <a14:useLocalDpi xmlns:a14="http://schemas.microsoft.com/office/drawing/2010/main" val="0"/>
-              </a:ext>
-            </a:extLst>
-          </a:blip>
-          <a:srcRect r="19814" b="11122"/>
-          <a:stretch/>
-        </p:blipFill>
-        <p:spPr>
-          <a:xfrm>
-            <a:off x="82289" y="2747412"/>
-            <a:ext cx="3582326" cy="2460786"/>
+            <a:off x="3656109" y="1355058"/>
+            <a:ext cx="4810326" cy="2592000"/>
           </a:xfrm>
           <a:prstGeom prst="rect">
             <a:avLst/>
@@ -4014,8 +3802,8 @@
           <p:nvPr/>
         </p:nvSpPr>
         <p:spPr>
-          <a:xfrm rot="19499271">
-            <a:off x="7462028" y="3241328"/>
+          <a:xfrm rot="1574945">
+            <a:off x="7972725" y="3732171"/>
             <a:ext cx="670014" cy="531838"/>
           </a:xfrm>
           <a:prstGeom prst="rightArrow">
@@ -4070,14 +3858,14 @@
           <p:nvPr/>
         </p:nvPicPr>
         <p:blipFill>
-          <a:blip r:embed="rId5"/>
+          <a:blip r:embed="rId4"/>
           <a:stretch>
             <a:fillRect/>
           </a:stretch>
         </p:blipFill>
         <p:spPr>
-          <a:xfrm rot="3691248">
-            <a:off x="3809941" y="3423953"/>
+          <a:xfrm>
+            <a:off x="4100348" y="3825477"/>
             <a:ext cx="646232" cy="585267"/>
           </a:xfrm>
           <a:prstGeom prst="rect">
@@ -4085,66 +3873,36 @@
           </a:prstGeom>
         </p:spPr>
       </p:pic>
-      <p:sp>
-        <p:nvSpPr>
-          <p:cNvPr id="13" name="Textfeld 12">
-            <a:extLst>
-              <a:ext uri="{FF2B5EF4-FFF2-40B4-BE49-F238E27FC236}">
-                <a16:creationId xmlns:a16="http://schemas.microsoft.com/office/drawing/2014/main" id="{72058455-B54F-464D-B938-E9B8CB4F2F91}"/>
-              </a:ext>
-            </a:extLst>
-          </p:cNvPr>
-          <p:cNvSpPr txBox="1"/>
+      <p:pic>
+        <p:nvPicPr>
+          <p:cNvPr id="14" name="Grafik 13">
+            <a:extLst>
+              <a:ext uri="{FF2B5EF4-FFF2-40B4-BE49-F238E27FC236}">
+                <a16:creationId xmlns:a16="http://schemas.microsoft.com/office/drawing/2014/main" id="{F2552442-AD7A-4DD2-846E-AF20AED64D33}"/>
+              </a:ext>
+            </a:extLst>
+          </p:cNvPr>
+          <p:cNvPicPr>
+            <a:picLocks noChangeAspect="1"/>
+          </p:cNvPicPr>
           <p:nvPr/>
-        </p:nvSpPr>
+        </p:nvPicPr>
+        <p:blipFill>
+          <a:blip r:embed="rId5"/>
+          <a:stretch>
+            <a:fillRect/>
+          </a:stretch>
+        </p:blipFill>
         <p:spPr>
           <a:xfrm>
-            <a:off x="3810773" y="2683482"/>
-            <a:ext cx="1878031" cy="646331"/>
+            <a:off x="7300645" y="4256298"/>
+            <a:ext cx="4891355" cy="2592000"/>
           </a:xfrm>
           <a:prstGeom prst="rect">
             <a:avLst/>
           </a:prstGeom>
-          <a:noFill/>
         </p:spPr>
-        <p:txBody>
-          <a:bodyPr wrap="square" rtlCol="0">
-            <a:spAutoFit/>
-          </a:bodyPr>
-          <a:lstStyle/>
-          <a:p>
-            <a:r>
-              <a:rPr lang="de-DE" dirty="0" err="1"/>
-              <a:t>Coloring</a:t>
-            </a:r>
-            <a:r>
-              <a:rPr lang="de-DE" dirty="0"/>
-              <a:t> </a:t>
-            </a:r>
-            <a:r>
-              <a:rPr lang="de-DE" dirty="0" err="1"/>
-              <a:t>according</a:t>
-            </a:r>
-            <a:r>
-              <a:rPr lang="de-DE" dirty="0"/>
-              <a:t> </a:t>
-            </a:r>
-            <a:r>
-              <a:rPr lang="de-DE" dirty="0" err="1"/>
-              <a:t>to</a:t>
-            </a:r>
-            <a:r>
-              <a:rPr lang="de-DE" dirty="0"/>
-              <a:t> </a:t>
-            </a:r>
-            <a:r>
-              <a:rPr lang="de-DE" dirty="0" err="1"/>
-              <a:t>drug</a:t>
-            </a:r>
-            <a:endParaRPr lang="de-DE" dirty="0"/>
-          </a:p>
-        </p:txBody>
-      </p:sp>
+      </p:pic>
     </p:spTree>
     <p:extLst>
       <p:ext uri="{BB962C8B-B14F-4D97-AF65-F5344CB8AC3E}">
@@ -7083,99 +6841,6 @@
           </a:p>
         </p:txBody>
       </p:sp>
-      <p:grpSp>
-        <p:nvGrpSpPr>
-          <p:cNvPr id="3" name="Gruppieren 2">
-            <a:extLst>
-              <a:ext uri="{FF2B5EF4-FFF2-40B4-BE49-F238E27FC236}">
-                <a16:creationId xmlns:a16="http://schemas.microsoft.com/office/drawing/2014/main" id="{EFE3B472-50F2-4E07-9DF7-8B4F9E1D3E58}"/>
-              </a:ext>
-            </a:extLst>
-          </p:cNvPr>
-          <p:cNvGrpSpPr/>
-          <p:nvPr/>
-        </p:nvGrpSpPr>
-        <p:grpSpPr>
-          <a:xfrm>
-            <a:off x="771744" y="2786774"/>
-            <a:ext cx="10648512" cy="3336892"/>
-            <a:chOff x="455188" y="2360645"/>
-            <a:chExt cx="10648512" cy="3336892"/>
-          </a:xfrm>
-        </p:grpSpPr>
-        <p:pic>
-          <p:nvPicPr>
-            <p:cNvPr id="4" name="Grafik 3">
-              <a:extLst>
-                <a:ext uri="{FF2B5EF4-FFF2-40B4-BE49-F238E27FC236}">
-                  <a16:creationId xmlns:a16="http://schemas.microsoft.com/office/drawing/2014/main" id="{D7564F6B-9FD1-41D1-94F4-6585A0B3CBDE}"/>
-                </a:ext>
-              </a:extLst>
-            </p:cNvPr>
-            <p:cNvPicPr>
-              <a:picLocks noChangeAspect="1"/>
-            </p:cNvPicPr>
-            <p:nvPr/>
-          </p:nvPicPr>
-          <p:blipFill>
-            <a:blip r:embed="rId2">
-              <a:extLst>
-                <a:ext uri="{28A0092B-C50C-407E-A947-70E740481C1C}">
-                  <a14:useLocalDpi xmlns:a14="http://schemas.microsoft.com/office/drawing/2010/main" val="0"/>
-                </a:ext>
-              </a:extLst>
-            </a:blip>
-            <a:stretch>
-              <a:fillRect/>
-            </a:stretch>
-          </p:blipFill>
-          <p:spPr>
-            <a:xfrm>
-              <a:off x="5752314" y="2360645"/>
-              <a:ext cx="5351386" cy="3336892"/>
-            </a:xfrm>
-            <a:prstGeom prst="rect">
-              <a:avLst/>
-            </a:prstGeom>
-          </p:spPr>
-        </p:pic>
-        <p:pic>
-          <p:nvPicPr>
-            <p:cNvPr id="5" name="Grafik 4">
-              <a:extLst>
-                <a:ext uri="{FF2B5EF4-FFF2-40B4-BE49-F238E27FC236}">
-                  <a16:creationId xmlns:a16="http://schemas.microsoft.com/office/drawing/2014/main" id="{1F58905A-A0D2-4118-A47C-74F0C062A27A}"/>
-                </a:ext>
-              </a:extLst>
-            </p:cNvPr>
-            <p:cNvPicPr>
-              <a:picLocks noChangeAspect="1"/>
-            </p:cNvPicPr>
-            <p:nvPr/>
-          </p:nvPicPr>
-          <p:blipFill>
-            <a:blip r:embed="rId3">
-              <a:extLst>
-                <a:ext uri="{28A0092B-C50C-407E-A947-70E740481C1C}">
-                  <a14:useLocalDpi xmlns:a14="http://schemas.microsoft.com/office/drawing/2010/main" val="0"/>
-                </a:ext>
-              </a:extLst>
-            </a:blip>
-            <a:stretch>
-              <a:fillRect/>
-            </a:stretch>
-          </p:blipFill>
-          <p:spPr>
-            <a:xfrm>
-              <a:off x="455188" y="2360645"/>
-              <a:ext cx="5351386" cy="3336892"/>
-            </a:xfrm>
-            <a:prstGeom prst="rect">
-              <a:avLst/>
-            </a:prstGeom>
-          </p:spPr>
-        </p:pic>
-      </p:grpSp>
       <p:sp>
         <p:nvSpPr>
           <p:cNvPr id="6" name="Inhaltsplatzhalter 2">
@@ -7402,6 +7067,36 @@
           </a:p>
         </p:txBody>
       </p:sp>
+      <p:pic>
+        <p:nvPicPr>
+          <p:cNvPr id="8" name="Grafik 7">
+            <a:extLst>
+              <a:ext uri="{FF2B5EF4-FFF2-40B4-BE49-F238E27FC236}">
+                <a16:creationId xmlns:a16="http://schemas.microsoft.com/office/drawing/2014/main" id="{13722B05-3304-4B3F-B05F-E8859F3D2B17}"/>
+              </a:ext>
+            </a:extLst>
+          </p:cNvPr>
+          <p:cNvPicPr>
+            <a:picLocks noChangeAspect="1"/>
+          </p:cNvPicPr>
+          <p:nvPr/>
+        </p:nvPicPr>
+        <p:blipFill>
+          <a:blip r:embed="rId2"/>
+          <a:stretch>
+            <a:fillRect/>
+          </a:stretch>
+        </p:blipFill>
+        <p:spPr>
+          <a:xfrm>
+            <a:off x="2229543" y="1597025"/>
+            <a:ext cx="8105775" cy="4895850"/>
+          </a:xfrm>
+          <a:prstGeom prst="rect">
+            <a:avLst/>
+          </a:prstGeom>
+        </p:spPr>
+      </p:pic>
     </p:spTree>
     <p:extLst>
       <p:ext uri="{BB962C8B-B14F-4D97-AF65-F5344CB8AC3E}">

--- a/All_Results.pptx
+++ b/All_Results.pptx
@@ -271,7 +271,7 @@
           <a:p>
             <a:fld id="{3AB65DCB-53B3-4C5F-B8F0-D97C6F748A08}" type="datetimeFigureOut">
               <a:rPr lang="de-DE" smtClean="0"/>
-              <a:t>15.06.2019</a:t>
+              <a:t>17.06.2019</a:t>
             </a:fld>
             <a:endParaRPr lang="de-DE"/>
           </a:p>
@@ -469,7 +469,7 @@
           <a:p>
             <a:fld id="{3AB65DCB-53B3-4C5F-B8F0-D97C6F748A08}" type="datetimeFigureOut">
               <a:rPr lang="de-DE" smtClean="0"/>
-              <a:t>15.06.2019</a:t>
+              <a:t>17.06.2019</a:t>
             </a:fld>
             <a:endParaRPr lang="de-DE"/>
           </a:p>
@@ -677,7 +677,7 @@
           <a:p>
             <a:fld id="{3AB65DCB-53B3-4C5F-B8F0-D97C6F748A08}" type="datetimeFigureOut">
               <a:rPr lang="de-DE" smtClean="0"/>
-              <a:t>15.06.2019</a:t>
+              <a:t>17.06.2019</a:t>
             </a:fld>
             <a:endParaRPr lang="de-DE"/>
           </a:p>
@@ -875,7 +875,7 @@
           <a:p>
             <a:fld id="{3AB65DCB-53B3-4C5F-B8F0-D97C6F748A08}" type="datetimeFigureOut">
               <a:rPr lang="de-DE" smtClean="0"/>
-              <a:t>15.06.2019</a:t>
+              <a:t>17.06.2019</a:t>
             </a:fld>
             <a:endParaRPr lang="de-DE"/>
           </a:p>
@@ -1150,7 +1150,7 @@
           <a:p>
             <a:fld id="{3AB65DCB-53B3-4C5F-B8F0-D97C6F748A08}" type="datetimeFigureOut">
               <a:rPr lang="de-DE" smtClean="0"/>
-              <a:t>15.06.2019</a:t>
+              <a:t>17.06.2019</a:t>
             </a:fld>
             <a:endParaRPr lang="de-DE"/>
           </a:p>
@@ -1415,7 +1415,7 @@
           <a:p>
             <a:fld id="{3AB65DCB-53B3-4C5F-B8F0-D97C6F748A08}" type="datetimeFigureOut">
               <a:rPr lang="de-DE" smtClean="0"/>
-              <a:t>15.06.2019</a:t>
+              <a:t>17.06.2019</a:t>
             </a:fld>
             <a:endParaRPr lang="de-DE"/>
           </a:p>
@@ -1827,7 +1827,7 @@
           <a:p>
             <a:fld id="{3AB65DCB-53B3-4C5F-B8F0-D97C6F748A08}" type="datetimeFigureOut">
               <a:rPr lang="de-DE" smtClean="0"/>
-              <a:t>15.06.2019</a:t>
+              <a:t>17.06.2019</a:t>
             </a:fld>
             <a:endParaRPr lang="de-DE"/>
           </a:p>
@@ -1968,7 +1968,7 @@
           <a:p>
             <a:fld id="{3AB65DCB-53B3-4C5F-B8F0-D97C6F748A08}" type="datetimeFigureOut">
               <a:rPr lang="de-DE" smtClean="0"/>
-              <a:t>15.06.2019</a:t>
+              <a:t>17.06.2019</a:t>
             </a:fld>
             <a:endParaRPr lang="de-DE"/>
           </a:p>
@@ -2081,7 +2081,7 @@
           <a:p>
             <a:fld id="{3AB65DCB-53B3-4C5F-B8F0-D97C6F748A08}" type="datetimeFigureOut">
               <a:rPr lang="de-DE" smtClean="0"/>
-              <a:t>15.06.2019</a:t>
+              <a:t>17.06.2019</a:t>
             </a:fld>
             <a:endParaRPr lang="de-DE"/>
           </a:p>
@@ -2392,7 +2392,7 @@
           <a:p>
             <a:fld id="{3AB65DCB-53B3-4C5F-B8F0-D97C6F748A08}" type="datetimeFigureOut">
               <a:rPr lang="de-DE" smtClean="0"/>
-              <a:t>15.06.2019</a:t>
+              <a:t>17.06.2019</a:t>
             </a:fld>
             <a:endParaRPr lang="de-DE"/>
           </a:p>
@@ -2680,7 +2680,7 @@
           <a:p>
             <a:fld id="{3AB65DCB-53B3-4C5F-B8F0-D97C6F748A08}" type="datetimeFigureOut">
               <a:rPr lang="de-DE" smtClean="0"/>
-              <a:t>15.06.2019</a:t>
+              <a:t>17.06.2019</a:t>
             </a:fld>
             <a:endParaRPr lang="de-DE"/>
           </a:p>
@@ -2921,7 +2921,7 @@
           <a:p>
             <a:fld id="{3AB65DCB-53B3-4C5F-B8F0-D97C6F748A08}" type="datetimeFigureOut">
               <a:rPr lang="de-DE" smtClean="0"/>
-              <a:t>15.06.2019</a:t>
+              <a:t>17.06.2019</a:t>
             </a:fld>
             <a:endParaRPr lang="de-DE"/>
           </a:p>
@@ -4505,6 +4505,36 @@
           <a:chExt cx="0" cy="0"/>
         </a:xfrm>
       </p:grpSpPr>
+      <p:pic>
+        <p:nvPicPr>
+          <p:cNvPr id="6" name="Grafik 5">
+            <a:extLst>
+              <a:ext uri="{FF2B5EF4-FFF2-40B4-BE49-F238E27FC236}">
+                <a16:creationId xmlns:a16="http://schemas.microsoft.com/office/drawing/2014/main" id="{8C1A5A00-86AF-4ADC-8CF4-9DD8CB9F025D}"/>
+              </a:ext>
+            </a:extLst>
+          </p:cNvPr>
+          <p:cNvPicPr>
+            <a:picLocks noChangeAspect="1"/>
+          </p:cNvPicPr>
+          <p:nvPr/>
+        </p:nvPicPr>
+        <p:blipFill>
+          <a:blip r:embed="rId2"/>
+          <a:stretch>
+            <a:fillRect/>
+          </a:stretch>
+        </p:blipFill>
+        <p:spPr>
+          <a:xfrm>
+            <a:off x="3755252" y="2130641"/>
+            <a:ext cx="6303144" cy="4727358"/>
+          </a:xfrm>
+          <a:prstGeom prst="rect">
+            <a:avLst/>
+          </a:prstGeom>
+        </p:spPr>
+      </p:pic>
       <p:sp>
         <p:nvSpPr>
           <p:cNvPr id="2" name="Titel 1">
@@ -4546,35 +4576,6 @@
           </a:p>
         </p:txBody>
       </p:sp>
-      <p:pic>
-        <p:nvPicPr>
-          <p:cNvPr id="3" name="Grafik 2">
-            <a:extLst>
-              <a:ext uri="{FF2B5EF4-FFF2-40B4-BE49-F238E27FC236}">
-                <a16:creationId xmlns:a16="http://schemas.microsoft.com/office/drawing/2014/main" id="{CAD69D2A-BC0C-4C5E-A13A-A49423D4E59E}"/>
-              </a:ext>
-            </a:extLst>
-          </p:cNvPr>
-          <p:cNvPicPr>
-            <a:picLocks noChangeAspect="1"/>
-          </p:cNvPicPr>
-          <p:nvPr/>
-        </p:nvPicPr>
-        <p:blipFill rotWithShape="1">
-          <a:blip r:embed="rId2"/>
-          <a:srcRect t="269"/>
-          <a:stretch/>
-        </p:blipFill>
-        <p:spPr>
-          <a:xfrm>
-            <a:off x="3853457" y="1880625"/>
-            <a:ext cx="7616908" cy="4843073"/>
-          </a:xfrm>
-          <a:prstGeom prst="rect">
-            <a:avLst/>
-          </a:prstGeom>
-        </p:spPr>
-      </p:pic>
       <p:sp>
         <p:nvSpPr>
           <p:cNvPr id="4" name="Inhaltsplatzhalter 2">
@@ -5307,6 +5308,36 @@
           <a:chExt cx="0" cy="0"/>
         </a:xfrm>
       </p:grpSpPr>
+      <p:pic>
+        <p:nvPicPr>
+          <p:cNvPr id="8" name="Grafik 7">
+            <a:extLst>
+              <a:ext uri="{FF2B5EF4-FFF2-40B4-BE49-F238E27FC236}">
+                <a16:creationId xmlns:a16="http://schemas.microsoft.com/office/drawing/2014/main" id="{041BA4BF-D67F-4F80-996D-8B16F96590DF}"/>
+              </a:ext>
+            </a:extLst>
+          </p:cNvPr>
+          <p:cNvPicPr>
+            <a:picLocks noChangeAspect="1"/>
+          </p:cNvPicPr>
+          <p:nvPr/>
+        </p:nvPicPr>
+        <p:blipFill>
+          <a:blip r:embed="rId2"/>
+          <a:stretch>
+            <a:fillRect/>
+          </a:stretch>
+        </p:blipFill>
+        <p:spPr>
+          <a:xfrm>
+            <a:off x="3844031" y="2139658"/>
+            <a:ext cx="6291122" cy="4718341"/>
+          </a:xfrm>
+          <a:prstGeom prst="rect">
+            <a:avLst/>
+          </a:prstGeom>
+        </p:spPr>
+      </p:pic>
       <p:sp>
         <p:nvSpPr>
           <p:cNvPr id="2" name="Titel 1">
@@ -5602,35 +5633,6 @@
           </a:p>
         </p:txBody>
       </p:sp>
-      <p:pic>
-        <p:nvPicPr>
-          <p:cNvPr id="6" name="Grafik 5">
-            <a:extLst>
-              <a:ext uri="{FF2B5EF4-FFF2-40B4-BE49-F238E27FC236}">
-                <a16:creationId xmlns:a16="http://schemas.microsoft.com/office/drawing/2014/main" id="{163602A3-1436-4E92-930C-CF64D1EE86F7}"/>
-              </a:ext>
-            </a:extLst>
-          </p:cNvPr>
-          <p:cNvPicPr>
-            <a:picLocks noChangeAspect="1"/>
-          </p:cNvPicPr>
-          <p:nvPr/>
-        </p:nvPicPr>
-        <p:blipFill rotWithShape="1">
-          <a:blip r:embed="rId2"/>
-          <a:srcRect b="425"/>
-          <a:stretch/>
-        </p:blipFill>
-        <p:spPr>
-          <a:xfrm>
-            <a:off x="3867164" y="1988598"/>
-            <a:ext cx="6961645" cy="4429957"/>
-          </a:xfrm>
-          <a:prstGeom prst="rect">
-            <a:avLst/>
-          </a:prstGeom>
-        </p:spPr>
-      </p:pic>
       <p:sp>
         <p:nvSpPr>
           <p:cNvPr id="5" name="Inhaltsplatzhalter 2">
@@ -5925,7 +5927,7 @@
         <p:spPr>
           <a:xfrm>
             <a:off x="124287" y="3195102"/>
-            <a:ext cx="3355760" cy="2862322"/>
+            <a:ext cx="3355760" cy="2246769"/>
           </a:xfrm>
           <a:prstGeom prst="rect">
             <a:avLst/>
@@ -5949,48 +5951,6 @@
             <a:r>
               <a:rPr lang="de-DE" sz="2000" dirty="0"/>
               <a:t>: </a:t>
-            </a:r>
-          </a:p>
-          <a:p>
-            <a:pPr marL="342900" indent="-342900">
-              <a:buFont typeface="Arial" panose="020B0604020202020204" pitchFamily="34" charset="0"/>
-              <a:buChar char="•"/>
-            </a:pPr>
-            <a:r>
-              <a:rPr lang="de-DE" sz="2000" dirty="0"/>
-              <a:t>Change </a:t>
-            </a:r>
-            <a:r>
-              <a:rPr lang="de-DE" sz="2000" dirty="0" err="1"/>
-              <a:t>coloring</a:t>
-            </a:r>
-            <a:r>
-              <a:rPr lang="de-DE" sz="2000" dirty="0"/>
-              <a:t> (</a:t>
-            </a:r>
-            <a:r>
-              <a:rPr lang="de-DE" sz="2000" dirty="0" err="1"/>
-              <a:t>maybe</a:t>
-            </a:r>
-            <a:r>
-              <a:rPr lang="de-DE" sz="2000" dirty="0"/>
-              <a:t> </a:t>
-            </a:r>
-            <a:r>
-              <a:rPr lang="de-DE" sz="2000" dirty="0" err="1"/>
-              <a:t>by</a:t>
-            </a:r>
-            <a:r>
-              <a:rPr lang="de-DE" sz="2000" dirty="0"/>
-              <a:t> </a:t>
-            </a:r>
-            <a:r>
-              <a:rPr lang="de-DE" sz="2000" dirty="0" err="1"/>
-              <a:t>quantiles</a:t>
-            </a:r>
-            <a:r>
-              <a:rPr lang="de-DE" sz="2000" dirty="0"/>
-              <a:t>)</a:t>
             </a:r>
           </a:p>
           <a:p>
